--- a/AndroidPresentation.pptx
+++ b/AndroidPresentation.pptx
@@ -567,7 +567,7 @@
             </a:ln>
             <a:extLst>
               <a:ext uri="{91240B29-F687-4f45-9708-019B960494DF}">
-                <a14:hiddenLine xmlns="" xmlns:a14="http://schemas.microsoft.com/office/drawing/2010/main" w="9525">
+                <a14:hiddenLine xmlns:a14="http://schemas.microsoft.com/office/drawing/2010/main" xmlns="" w="9525">
                   <a:solidFill>
                     <a:srgbClr val="000000"/>
                   </a:solidFill>
@@ -1648,7 +1648,7 @@
             </a:ln>
             <a:extLst>
               <a:ext uri="{91240B29-F687-4f45-9708-019B960494DF}">
-                <a14:hiddenLine xmlns="" xmlns:a14="http://schemas.microsoft.com/office/drawing/2010/main" w="9525">
+                <a14:hiddenLine xmlns:a14="http://schemas.microsoft.com/office/drawing/2010/main" xmlns="" w="9525">
                   <a:solidFill>
                     <a:srgbClr val="000000"/>
                   </a:solidFill>
@@ -2734,7 +2734,7 @@
             </a:ln>
             <a:extLst>
               <a:ext uri="{91240B29-F687-4f45-9708-019B960494DF}">
-                <a14:hiddenLine xmlns="" xmlns:a14="http://schemas.microsoft.com/office/drawing/2010/main" w="9525">
+                <a14:hiddenLine xmlns:a14="http://schemas.microsoft.com/office/drawing/2010/main" xmlns="" w="9525">
                   <a:solidFill>
                     <a:srgbClr val="000000"/>
                   </a:solidFill>
@@ -3695,7 +3695,7 @@
             </a:ln>
             <a:extLst>
               <a:ext uri="{91240B29-F687-4f45-9708-019B960494DF}">
-                <a14:hiddenLine xmlns="" xmlns:a14="http://schemas.microsoft.com/office/drawing/2010/main" w="9525">
+                <a14:hiddenLine xmlns:a14="http://schemas.microsoft.com/office/drawing/2010/main" xmlns="" w="9525">
                   <a:solidFill>
                     <a:srgbClr val="000000"/>
                   </a:solidFill>
@@ -4810,7 +4810,7 @@
             </a:ln>
             <a:extLst>
               <a:ext uri="{91240B29-F687-4f45-9708-019B960494DF}">
-                <a14:hiddenLine xmlns="" xmlns:a14="http://schemas.microsoft.com/office/drawing/2010/main" w="9525">
+                <a14:hiddenLine xmlns:a14="http://schemas.microsoft.com/office/drawing/2010/main" xmlns="" w="9525">
                   <a:solidFill>
                     <a:srgbClr val="000000"/>
                   </a:solidFill>
@@ -7559,7 +7559,7 @@
           </a:ln>
           <a:extLst>
             <a:ext uri="{91240B29-F687-4f45-9708-019B960494DF}">
-              <a14:hiddenLine xmlns="" xmlns:a14="http://schemas.microsoft.com/office/drawing/2010/main" w="9525">
+              <a14:hiddenLine xmlns:a14="http://schemas.microsoft.com/office/drawing/2010/main" xmlns="" w="9525">
                 <a:solidFill>
                   <a:srgbClr val="000000"/>
                 </a:solidFill>
@@ -8734,7 +8734,7 @@
             </a:ln>
             <a:extLst>
               <a:ext uri="{91240B29-F687-4f45-9708-019B960494DF}">
-                <a14:hiddenLine xmlns="" xmlns:a14="http://schemas.microsoft.com/office/drawing/2010/main" w="9525">
+                <a14:hiddenLine xmlns:a14="http://schemas.microsoft.com/office/drawing/2010/main" xmlns="" w="9525">
                   <a:solidFill>
                     <a:srgbClr val="000000"/>
                   </a:solidFill>
@@ -10702,7 +10702,7 @@
             </a:ln>
             <a:extLst>
               <a:ext uri="{91240B29-F687-4f45-9708-019B960494DF}">
-                <a14:hiddenLine xmlns="" xmlns:a14="http://schemas.microsoft.com/office/drawing/2010/main" w="9525">
+                <a14:hiddenLine xmlns:a14="http://schemas.microsoft.com/office/drawing/2010/main" xmlns="" w="9525">
                   <a:solidFill>
                     <a:srgbClr val="000000"/>
                   </a:solidFill>
@@ -11760,7 +11760,7 @@
             </a:ln>
             <a:extLst>
               <a:ext uri="{91240B29-F687-4f45-9708-019B960494DF}">
-                <a14:hiddenLine xmlns="" xmlns:a14="http://schemas.microsoft.com/office/drawing/2010/main" w="9525">
+                <a14:hiddenLine xmlns:a14="http://schemas.microsoft.com/office/drawing/2010/main" xmlns="" w="9525">
                   <a:solidFill>
                     <a:srgbClr val="000000"/>
                   </a:solidFill>
@@ -12810,7 +12810,7 @@
             </a:ln>
             <a:extLst>
               <a:ext uri="{91240B29-F687-4f45-9708-019B960494DF}">
-                <a14:hiddenLine xmlns="" xmlns:a14="http://schemas.microsoft.com/office/drawing/2010/main" w="9525">
+                <a14:hiddenLine xmlns:a14="http://schemas.microsoft.com/office/drawing/2010/main" xmlns="" w="9525">
                   <a:solidFill>
                     <a:srgbClr val="000000"/>
                   </a:solidFill>
@@ -13755,17 +13755,8 @@
           <a:p>
             <a:r>
               <a:rPr lang="en-CA" dirty="0" smtClean="0"/>
-              <a:t>Development of an android application to access the web API provided by the </a:t>
+              <a:t>Development of an android application to access the web API provided by the API/DB team. </a:t>
             </a:r>
-            <a:r>
-              <a:rPr lang="en-CA" dirty="0" smtClean="0"/>
-              <a:t>API/DB </a:t>
-            </a:r>
-            <a:r>
-              <a:rPr lang="en-CA" dirty="0" smtClean="0"/>
-              <a:t>team. </a:t>
-            </a:r>
-            <a:endParaRPr lang="en-CA" dirty="0" smtClean="0"/>
           </a:p>
           <a:p>
             <a:r>
@@ -13844,7 +13835,7 @@
         <p:spPr/>
         <p:txBody>
           <a:bodyPr>
-            <a:normAutofit fontScale="85000" lnSpcReduction="10000"/>
+            <a:normAutofit fontScale="92500" lnSpcReduction="10000"/>
           </a:bodyPr>
           <a:lstStyle/>
           <a:p>
@@ -13895,13 +13886,9 @@
             </a:r>
           </a:p>
           <a:p>
-            <a:r>
-              <a:rPr lang="en-CA" dirty="0" smtClean="0"/>
-              <a:t/>
-            </a:r>
-            <a:br>
-              <a:rPr lang="en-CA" dirty="0" smtClean="0"/>
-            </a:br>
+            <a:pPr marL="0" indent="0">
+              <a:buNone/>
+            </a:pPr>
             <a:endParaRPr lang="en-CA" dirty="0"/>
           </a:p>
         </p:txBody>
@@ -14379,7 +14366,7 @@
         </p:blipFill>
         <p:spPr>
           <a:xfrm>
-            <a:off x="3635896" y="927098"/>
+            <a:off x="3563888" y="917954"/>
             <a:ext cx="3267098" cy="5744897"/>
           </a:xfrm>
         </p:spPr>
